--- a/Sprint 0 Presentation.pptx
+++ b/Sprint 0 Presentation.pptx
@@ -27899,8 +27899,8 @@
         </p:nvSpPr>
         <p:spPr>
           <a:xfrm>
-            <a:off x="698090" y="2562037"/>
-            <a:ext cx="9558078" cy="1202739"/>
+            <a:off x="698100" y="2562023"/>
+            <a:ext cx="9558000" cy="1392600"/>
           </a:xfrm>
           <a:prstGeom prst="rect">
             <a:avLst/>
@@ -27956,8 +27956,8 @@
         </p:nvSpPr>
         <p:spPr>
           <a:xfrm>
-            <a:off x="884141" y="2717249"/>
-            <a:ext cx="836695" cy="912000"/>
+            <a:off x="884151" y="2741742"/>
+            <a:ext cx="836700" cy="1056000"/>
           </a:xfrm>
           <a:prstGeom prst="rect">
             <a:avLst/>
@@ -28007,8 +28007,8 @@
         </p:nvSpPr>
         <p:spPr>
           <a:xfrm>
-            <a:off x="1720835" y="2735065"/>
-            <a:ext cx="8347397" cy="908461"/>
+            <a:off x="1720845" y="2762371"/>
+            <a:ext cx="8347500" cy="1051800"/>
           </a:xfrm>
           <a:prstGeom prst="rect">
             <a:avLst/>
@@ -28073,7 +28073,7 @@
             </a:endParaRPr>
           </a:p>
           <a:p>
-            <a:pPr indent="-228594" lvl="0" marL="228594" marR="0" rtl="0" algn="l">
+            <a:pPr indent="-228593" lvl="0" marL="228593" marR="0" rtl="0" algn="l">
               <a:spcBef>
                 <a:spcPts val="0"/>
               </a:spcBef>
@@ -28097,9 +28097,73 @@
                 <a:cs typeface="Calibri"/>
                 <a:sym typeface="Calibri"/>
               </a:rPr>
-              <a:t>- Réalisation de diagramme de classe et de diagramme de cas d’utilisation général </a:t>
+              <a:t>- Réalisation de diagramme de classe et de diagramme de cas d’utilisation général .</a:t>
             </a:r>
-            <a:endParaRPr b="1" i="0" sz="1600" u="none" cap="none" strike="noStrike">
+            <a:endParaRPr b="1" sz="1600">
+              <a:solidFill>
+                <a:srgbClr val="3F3F3F"/>
+              </a:solidFill>
+              <a:latin typeface="Calibri"/>
+              <a:ea typeface="Calibri"/>
+              <a:cs typeface="Calibri"/>
+              <a:sym typeface="Calibri"/>
+            </a:endParaRPr>
+          </a:p>
+          <a:p>
+            <a:pPr indent="0" lvl="0" marL="0" marR="0" rtl="0" algn="l">
+              <a:spcBef>
+                <a:spcPts val="0"/>
+              </a:spcBef>
+              <a:spcAft>
+                <a:spcPts val="0"/>
+              </a:spcAft>
+              <a:buNone/>
+            </a:pPr>
+            <a:r>
+              <a:rPr b="1" lang="fr-FR" sz="1600">
+                <a:solidFill>
+                  <a:srgbClr val="3F3F3F"/>
+                </a:solidFill>
+                <a:latin typeface="Calibri"/>
+                <a:ea typeface="Calibri"/>
+                <a:cs typeface="Calibri"/>
+                <a:sym typeface="Calibri"/>
+              </a:rPr>
+              <a:t>     - Estimation et Réalisation de backlog produit initial</a:t>
+            </a:r>
+            <a:endParaRPr b="1" sz="1600">
+              <a:solidFill>
+                <a:srgbClr val="3F3F3F"/>
+              </a:solidFill>
+              <a:latin typeface="Calibri"/>
+              <a:ea typeface="Calibri"/>
+              <a:cs typeface="Calibri"/>
+              <a:sym typeface="Calibri"/>
+            </a:endParaRPr>
+          </a:p>
+          <a:p>
+            <a:pPr indent="0" lvl="0" marL="0" marR="0" rtl="0" algn="l">
+              <a:spcBef>
+                <a:spcPts val="0"/>
+              </a:spcBef>
+              <a:spcAft>
+                <a:spcPts val="0"/>
+              </a:spcAft>
+              <a:buNone/>
+            </a:pPr>
+            <a:r>
+              <a:rPr b="1" lang="fr-FR" sz="1600">
+                <a:solidFill>
+                  <a:srgbClr val="3F3F3F"/>
+                </a:solidFill>
+                <a:latin typeface="Calibri"/>
+                <a:ea typeface="Calibri"/>
+                <a:cs typeface="Calibri"/>
+                <a:sym typeface="Calibri"/>
+              </a:rPr>
+              <a:t>     - Petite formation sur les outils de travail à utiliser</a:t>
+            </a:r>
+            <a:endParaRPr b="1" sz="1600">
               <a:solidFill>
                 <a:srgbClr val="3F3F3F"/>
               </a:solidFill>
@@ -28119,8 +28183,8 @@
         </p:nvSpPr>
         <p:spPr>
           <a:xfrm>
-            <a:off x="936396" y="2845179"/>
-            <a:ext cx="732184" cy="533480"/>
+            <a:off x="936406" y="2889870"/>
+            <a:ext cx="732300" cy="617700"/>
           </a:xfrm>
           <a:prstGeom prst="rect">
             <a:avLst/>
@@ -28177,8 +28241,8 @@
         </p:nvSpPr>
         <p:spPr>
           <a:xfrm>
-            <a:off x="698090" y="3906212"/>
-            <a:ext cx="9566573" cy="1202739"/>
+            <a:off x="698100" y="4200500"/>
+            <a:ext cx="9566700" cy="908400"/>
           </a:xfrm>
           <a:prstGeom prst="rect">
             <a:avLst/>
@@ -28234,8 +28298,8 @@
         </p:nvSpPr>
         <p:spPr>
           <a:xfrm>
-            <a:off x="895320" y="4035951"/>
-            <a:ext cx="825516" cy="912000"/>
+            <a:off x="895325" y="4370513"/>
+            <a:ext cx="825600" cy="577500"/>
           </a:xfrm>
           <a:prstGeom prst="rect">
             <a:avLst/>
@@ -28285,8 +28349,8 @@
         </p:nvSpPr>
         <p:spPr>
           <a:xfrm>
-            <a:off x="903448" y="4225107"/>
-            <a:ext cx="798079" cy="533480"/>
+            <a:off x="903458" y="4441367"/>
+            <a:ext cx="798000" cy="402900"/>
           </a:xfrm>
           <a:prstGeom prst="rect">
             <a:avLst/>
@@ -28479,8 +28543,8 @@
         </p:nvSpPr>
         <p:spPr>
           <a:xfrm>
-            <a:off x="698091" y="5263703"/>
-            <a:ext cx="9566574" cy="1202739"/>
+            <a:off x="698100" y="5601023"/>
+            <a:ext cx="9566700" cy="865500"/>
           </a:xfrm>
           <a:prstGeom prst="rect">
             <a:avLst/>
@@ -28536,8 +28600,8 @@
         </p:nvSpPr>
         <p:spPr>
           <a:xfrm>
-            <a:off x="895320" y="5389453"/>
-            <a:ext cx="825516" cy="912000"/>
+            <a:off x="895325" y="5890652"/>
+            <a:ext cx="825600" cy="410700"/>
           </a:xfrm>
           <a:prstGeom prst="rect">
             <a:avLst/>
@@ -28587,8 +28651,8 @@
         </p:nvSpPr>
         <p:spPr>
           <a:xfrm>
-            <a:off x="907721" y="5578713"/>
-            <a:ext cx="798079" cy="533480"/>
+            <a:off x="907725" y="5890645"/>
+            <a:ext cx="798000" cy="221700"/>
           </a:xfrm>
           <a:prstGeom prst="rect">
             <a:avLst/>
@@ -28645,8 +28709,8 @@
         </p:nvSpPr>
         <p:spPr>
           <a:xfrm>
-            <a:off x="1728964" y="4044574"/>
-            <a:ext cx="8339268" cy="908461"/>
+            <a:off x="1822289" y="4228674"/>
+            <a:ext cx="8339400" cy="908400"/>
           </a:xfrm>
           <a:prstGeom prst="rect">
             <a:avLst/>
@@ -28708,8 +28772,8 @@
         </p:nvSpPr>
         <p:spPr>
           <a:xfrm>
-            <a:off x="1728964" y="5410841"/>
-            <a:ext cx="8339268" cy="908461"/>
+            <a:off x="1724889" y="5600966"/>
+            <a:ext cx="8339400" cy="908400"/>
           </a:xfrm>
           <a:prstGeom prst="rect">
             <a:avLst/>
